--- a/MG_Fixtures/YXA/Concept/Guard_Assy.RR Fender_Splash_R.pptx
+++ b/MG_Fixtures/YXA/Concept/Guard_Assy.RR Fender_Splash_R.pptx
@@ -222,7 +222,7 @@
             <a:fld id="{9E2EE2AA-148B-40AB-9B2B-819D4284D388}" type="datetimeFigureOut">
               <a:rPr lang="en-IN" smtClean="0"/>
               <a:pPr/>
-              <a:t>18-12-2024</a:t>
+              <a:t>21-12-2024</a:t>
             </a:fld>
             <a:endParaRPr lang="en-IN"/>
           </a:p>
@@ -801,7 +801,7 @@
             <a:fld id="{5C8D971A-12AB-4B63-A413-D1566F3CC742}" type="datetimeFigureOut">
               <a:rPr lang="en-IN" smtClean="0"/>
               <a:pPr/>
-              <a:t>18-12-2024</a:t>
+              <a:t>21-12-2024</a:t>
             </a:fld>
             <a:endParaRPr lang="en-IN"/>
           </a:p>
@@ -1144,7 +1144,7 @@
             <a:fld id="{5C8D971A-12AB-4B63-A413-D1566F3CC742}" type="datetimeFigureOut">
               <a:rPr lang="en-IN" smtClean="0"/>
               <a:pPr/>
-              <a:t>18-12-2024</a:t>
+              <a:t>21-12-2024</a:t>
             </a:fld>
             <a:endParaRPr lang="en-IN"/>
           </a:p>
@@ -1568,7 +1568,7 @@
             <a:fld id="{5C8D971A-12AB-4B63-A413-D1566F3CC742}" type="datetimeFigureOut">
               <a:rPr lang="en-IN" smtClean="0"/>
               <a:pPr/>
-              <a:t>18-12-2024</a:t>
+              <a:t>21-12-2024</a:t>
             </a:fld>
             <a:endParaRPr lang="en-IN"/>
           </a:p>
@@ -1688,7 +1688,7 @@
             <a:fld id="{5C8D971A-12AB-4B63-A413-D1566F3CC742}" type="datetimeFigureOut">
               <a:rPr lang="en-IN" smtClean="0"/>
               <a:pPr/>
-              <a:t>18-12-2024</a:t>
+              <a:t>21-12-2024</a:t>
             </a:fld>
             <a:endParaRPr lang="en-IN"/>
           </a:p>
@@ -1939,7 +1939,7 @@
             <a:fld id="{5C8D971A-12AB-4B63-A413-D1566F3CC742}" type="datetimeFigureOut">
               <a:rPr lang="en-IN" smtClean="0"/>
               <a:pPr/>
-              <a:t>18-12-2024</a:t>
+              <a:t>21-12-2024</a:t>
             </a:fld>
             <a:endParaRPr lang="en-IN"/>
           </a:p>
@@ -4975,6 +4975,58 @@
           </a:p>
         </p:txBody>
       </p:sp>
+      <p:sp>
+        <p:nvSpPr>
+          <p:cNvPr id="2" name="Rectangle 1">
+            <a:extLst>
+              <a:ext uri="{FF2B5EF4-FFF2-40B4-BE49-F238E27FC236}">
+                <a16:creationId xmlns:a16="http://schemas.microsoft.com/office/drawing/2014/main" id="{06A2A9FE-CAE3-2D10-C09E-50F5309EA8EA}"/>
+              </a:ext>
+            </a:extLst>
+          </p:cNvPr>
+          <p:cNvSpPr/>
+          <p:nvPr/>
+        </p:nvSpPr>
+        <p:spPr>
+          <a:xfrm rot="21321608">
+            <a:off x="4617050" y="3430853"/>
+            <a:ext cx="1596529" cy="355378"/>
+          </a:xfrm>
+          <a:prstGeom prst="rect">
+            <a:avLst/>
+          </a:prstGeom>
+          <a:noFill/>
+          <a:ln w="38100">
+            <a:solidFill>
+              <a:srgbClr val="FF0000"/>
+            </a:solidFill>
+          </a:ln>
+        </p:spPr>
+        <p:style>
+          <a:lnRef idx="2">
+            <a:schemeClr val="accent1">
+              <a:shade val="15000"/>
+            </a:schemeClr>
+          </a:lnRef>
+          <a:fillRef idx="1">
+            <a:schemeClr val="accent1"/>
+          </a:fillRef>
+          <a:effectRef idx="0">
+            <a:schemeClr val="accent1"/>
+          </a:effectRef>
+          <a:fontRef idx="minor">
+            <a:schemeClr val="lt1"/>
+          </a:fontRef>
+        </p:style>
+        <p:txBody>
+          <a:bodyPr rtlCol="0" anchor="ctr"/>
+          <a:lstStyle/>
+          <a:p>
+            <a:pPr algn="ctr"/>
+            <a:endParaRPr lang="en-US"/>
+          </a:p>
+        </p:txBody>
+      </p:sp>
     </p:spTree>
     <p:extLst>
       <p:ext uri="{BB962C8B-B14F-4D97-AF65-F5344CB8AC3E}">
@@ -7498,53 +7550,9 @@
               <a:rPr lang="en-IN" sz="1600" b="1" kern="0" dirty="0">
                 <a:latin typeface="Calibri"/>
               </a:rPr>
-              <a:t>----</a:t>
+              <a:t>Devu Tools</a:t>
             </a:r>
             <a:endParaRPr kumimoji="0" lang="en-IN" sz="1600" b="1" i="0" u="none" strike="noStrike" kern="0" cap="none" spc="0" normalizeH="0" baseline="0" noProof="0" dirty="0">
-              <a:ln>
-                <a:noFill/>
-              </a:ln>
-              <a:effectLst/>
-              <a:uLnTx/>
-              <a:uFillTx/>
-              <a:latin typeface="Calibri"/>
-              <a:ea typeface="+mn-ea"/>
-              <a:cs typeface="+mn-cs"/>
-            </a:endParaRPr>
-          </a:p>
-        </p:txBody>
-      </p:sp>
-      <p:sp>
-        <p:nvSpPr>
-          <p:cNvPr id="40" name="Rectangle 39"/>
-          <p:cNvSpPr/>
-          <p:nvPr/>
-        </p:nvSpPr>
-        <p:spPr>
-          <a:xfrm>
-            <a:off x="2895600" y="1765300"/>
-            <a:ext cx="5309898" cy="381000"/>
-          </a:xfrm>
-          <a:prstGeom prst="rect">
-            <a:avLst/>
-          </a:prstGeom>
-          <a:noFill/>
-          <a:ln w="25400" cap="flat" cmpd="sng" algn="ctr">
-            <a:solidFill>
-              <a:srgbClr val="FF3300"/>
-            </a:solidFill>
-            <a:prstDash val="solid"/>
-          </a:ln>
-          <a:effectLst/>
-        </p:spPr>
-        <p:txBody>
-          <a:bodyPr rtlCol="0" anchor="ctr"/>
-          <a:lstStyle/>
-          <a:p>
-            <a:pPr algn="ctr">
-              <a:defRPr/>
-            </a:pPr>
-            <a:endParaRPr kumimoji="0" lang="en-IN" sz="2000" b="1" i="0" u="none" strike="noStrike" kern="0" cap="none" spc="0" normalizeH="0" baseline="0" noProof="0" dirty="0">
               <a:ln>
                 <a:noFill/>
               </a:ln>
@@ -7858,6 +7866,12 @@
               <a:defRPr/>
             </a:pPr>
             <a:r>
+              <a:rPr lang="en-IN" sz="2000" b="1" kern="0" dirty="0">
+                <a:latin typeface="Calibri"/>
+              </a:rPr>
+              <a:t>21</a:t>
+            </a:r>
+            <a:r>
               <a:rPr kumimoji="0" lang="en-IN" sz="2000" b="1" i="0" u="none" strike="noStrike" kern="0" cap="none" spc="0" normalizeH="0" baseline="0" noProof="0" dirty="0">
                 <a:ln>
                   <a:noFill/>
@@ -7869,8 +7883,78 @@
                 <a:ea typeface="+mn-ea"/>
                 <a:cs typeface="+mn-cs"/>
               </a:rPr>
-              <a:t>18-12-2024</a:t>
+              <a:t>-12-2024</a:t>
             </a:r>
+          </a:p>
+        </p:txBody>
+      </p:sp>
+      <p:sp>
+        <p:nvSpPr>
+          <p:cNvPr id="2" name="Rectangle 1">
+            <a:extLst>
+              <a:ext uri="{FF2B5EF4-FFF2-40B4-BE49-F238E27FC236}">
+                <a16:creationId xmlns:a16="http://schemas.microsoft.com/office/drawing/2014/main" id="{C71E1AB6-1FF0-D63E-F4FB-5EE77A06F7B2}"/>
+              </a:ext>
+            </a:extLst>
+          </p:cNvPr>
+          <p:cNvSpPr/>
+          <p:nvPr/>
+        </p:nvSpPr>
+        <p:spPr>
+          <a:xfrm>
+            <a:off x="2895600" y="1784350"/>
+            <a:ext cx="5309898" cy="381000"/>
+          </a:xfrm>
+          <a:prstGeom prst="rect">
+            <a:avLst/>
+          </a:prstGeom>
+          <a:noFill/>
+          <a:ln w="25400" cap="flat" cmpd="sng" algn="ctr">
+            <a:solidFill>
+              <a:srgbClr val="FF3300"/>
+            </a:solidFill>
+            <a:prstDash val="solid"/>
+          </a:ln>
+          <a:effectLst/>
+        </p:spPr>
+        <p:txBody>
+          <a:bodyPr rtlCol="0" anchor="ctr"/>
+          <a:lstStyle/>
+          <a:p>
+            <a:pPr marL="0" marR="0" lvl="0" indent="0" algn="ctr" defTabSz="914400" eaLnBrk="1" fontAlgn="auto" latinLnBrk="0" hangingPunct="1">
+              <a:lnSpc>
+                <a:spcPct val="100000"/>
+              </a:lnSpc>
+              <a:spcBef>
+                <a:spcPts val="0"/>
+              </a:spcBef>
+              <a:spcAft>
+                <a:spcPts val="0"/>
+              </a:spcAft>
+              <a:buClrTx/>
+              <a:buSzTx/>
+              <a:buFontTx/>
+              <a:buNone/>
+              <a:tabLst/>
+              <a:defRPr/>
+            </a:pPr>
+            <a:r>
+              <a:rPr lang="en-IN" sz="1600" b="1" kern="0" dirty="0">
+                <a:latin typeface="Calibri"/>
+              </a:rPr>
+              <a:t>YXA</a:t>
+            </a:r>
+            <a:endParaRPr kumimoji="0" lang="en-IN" sz="1600" b="1" i="0" u="none" strike="noStrike" kern="0" cap="none" spc="0" normalizeH="0" baseline="0" noProof="0" dirty="0">
+              <a:ln>
+                <a:noFill/>
+              </a:ln>
+              <a:effectLst/>
+              <a:uLnTx/>
+              <a:uFillTx/>
+              <a:latin typeface="Calibri"/>
+              <a:ea typeface="+mn-ea"/>
+              <a:cs typeface="+mn-cs"/>
+            </a:endParaRPr>
           </a:p>
         </p:txBody>
       </p:sp>
@@ -8210,6 +8294,138 @@
           <a:chExt cx="0" cy="0"/>
         </a:xfrm>
       </p:grpSpPr>
+      <p:grpSp>
+        <p:nvGrpSpPr>
+          <p:cNvPr id="11" name="Group 10">
+            <a:extLst>
+              <a:ext uri="{FF2B5EF4-FFF2-40B4-BE49-F238E27FC236}">
+                <a16:creationId xmlns:a16="http://schemas.microsoft.com/office/drawing/2014/main" id="{8FF964E5-C609-0745-7E4D-F22BCE070B3A}"/>
+              </a:ext>
+            </a:extLst>
+          </p:cNvPr>
+          <p:cNvGrpSpPr/>
+          <p:nvPr/>
+        </p:nvGrpSpPr>
+        <p:grpSpPr>
+          <a:xfrm>
+            <a:off x="8372991" y="1204038"/>
+            <a:ext cx="2502770" cy="3737472"/>
+            <a:chOff x="8372991" y="1204038"/>
+            <a:chExt cx="2502770" cy="3737472"/>
+          </a:xfrm>
+        </p:grpSpPr>
+        <p:grpSp>
+          <p:nvGrpSpPr>
+            <p:cNvPr id="6" name="Group 5">
+              <a:extLst>
+                <a:ext uri="{FF2B5EF4-FFF2-40B4-BE49-F238E27FC236}">
+                  <a16:creationId xmlns:a16="http://schemas.microsoft.com/office/drawing/2014/main" id="{BF47B02E-BB91-27FD-2745-F5A910004859}"/>
+                </a:ext>
+              </a:extLst>
+            </p:cNvPr>
+            <p:cNvGrpSpPr/>
+            <p:nvPr/>
+          </p:nvGrpSpPr>
+          <p:grpSpPr>
+            <a:xfrm>
+              <a:off x="8372991" y="1204038"/>
+              <a:ext cx="2502770" cy="3737472"/>
+              <a:chOff x="8372991" y="1204038"/>
+              <a:chExt cx="2502770" cy="3737472"/>
+            </a:xfrm>
+          </p:grpSpPr>
+          <p:pic>
+            <p:nvPicPr>
+              <p:cNvPr id="4" name="Picture 3">
+                <a:extLst>
+                  <a:ext uri="{FF2B5EF4-FFF2-40B4-BE49-F238E27FC236}">
+                    <a16:creationId xmlns:a16="http://schemas.microsoft.com/office/drawing/2014/main" id="{6969D97D-6ECB-651C-6EC3-DD489D399847}"/>
+                  </a:ext>
+                </a:extLst>
+              </p:cNvPr>
+              <p:cNvPicPr>
+                <a:picLocks noChangeAspect="1"/>
+              </p:cNvPicPr>
+              <p:nvPr/>
+            </p:nvPicPr>
+            <p:blipFill>
+              <a:blip r:embed="rId2"/>
+              <a:stretch>
+                <a:fillRect/>
+              </a:stretch>
+            </p:blipFill>
+            <p:spPr>
+              <a:xfrm>
+                <a:off x="8372991" y="1204038"/>
+                <a:ext cx="2502770" cy="3737472"/>
+              </a:xfrm>
+              <a:prstGeom prst="rect">
+                <a:avLst/>
+              </a:prstGeom>
+            </p:spPr>
+          </p:pic>
+          <p:pic>
+            <p:nvPicPr>
+              <p:cNvPr id="5" name="Picture 4">
+                <a:extLst>
+                  <a:ext uri="{FF2B5EF4-FFF2-40B4-BE49-F238E27FC236}">
+                    <a16:creationId xmlns:a16="http://schemas.microsoft.com/office/drawing/2014/main" id="{5487B5C1-60B7-0162-694E-75D33D4EF409}"/>
+                  </a:ext>
+                </a:extLst>
+              </p:cNvPr>
+              <p:cNvPicPr>
+                <a:picLocks noChangeAspect="1"/>
+              </p:cNvPicPr>
+              <p:nvPr/>
+            </p:nvPicPr>
+            <p:blipFill>
+              <a:blip r:embed="rId3"/>
+              <a:stretch>
+                <a:fillRect/>
+              </a:stretch>
+            </p:blipFill>
+            <p:spPr>
+              <a:xfrm>
+                <a:off x="9008469" y="1676387"/>
+                <a:ext cx="1010287" cy="632515"/>
+              </a:xfrm>
+              <a:prstGeom prst="rect">
+                <a:avLst/>
+              </a:prstGeom>
+            </p:spPr>
+          </p:pic>
+        </p:grpSp>
+        <p:pic>
+          <p:nvPicPr>
+            <p:cNvPr id="10" name="Picture 9">
+              <a:extLst>
+                <a:ext uri="{FF2B5EF4-FFF2-40B4-BE49-F238E27FC236}">
+                  <a16:creationId xmlns:a16="http://schemas.microsoft.com/office/drawing/2014/main" id="{C71535DA-8693-3E24-9FE8-E61E42FA8617}"/>
+                </a:ext>
+              </a:extLst>
+            </p:cNvPr>
+            <p:cNvPicPr>
+              <a:picLocks noChangeAspect="1"/>
+            </p:cNvPicPr>
+            <p:nvPr/>
+          </p:nvPicPr>
+          <p:blipFill>
+            <a:blip r:embed="rId3"/>
+            <a:stretch>
+              <a:fillRect/>
+            </a:stretch>
+          </p:blipFill>
+          <p:spPr>
+            <a:xfrm>
+              <a:off x="9008469" y="4332103"/>
+              <a:ext cx="1043113" cy="486309"/>
+            </a:xfrm>
+            <a:prstGeom prst="rect">
+              <a:avLst/>
+            </a:prstGeom>
+          </p:spPr>
+        </p:pic>
+      </p:grpSp>
       <p:pic>
         <p:nvPicPr>
           <p:cNvPr id="48" name="Picture 47">
@@ -8225,7 +8441,7 @@
           <p:nvPr/>
         </p:nvPicPr>
         <p:blipFill>
-          <a:blip r:embed="rId2"/>
+          <a:blip r:embed="rId4"/>
           <a:stretch>
             <a:fillRect/>
           </a:stretch>
@@ -8255,7 +8471,7 @@
           <p:nvPr/>
         </p:nvPicPr>
         <p:blipFill>
-          <a:blip r:embed="rId3"/>
+          <a:blip r:embed="rId5"/>
           <a:stretch>
             <a:fillRect/>
           </a:stretch>
@@ -8264,36 +8480,6 @@
           <a:xfrm>
             <a:off x="143142" y="1346431"/>
             <a:ext cx="5128328" cy="2896990"/>
-          </a:xfrm>
-          <a:prstGeom prst="rect">
-            <a:avLst/>
-          </a:prstGeom>
-        </p:spPr>
-      </p:pic>
-      <p:pic>
-        <p:nvPicPr>
-          <p:cNvPr id="4" name="Picture 3">
-            <a:extLst>
-              <a:ext uri="{FF2B5EF4-FFF2-40B4-BE49-F238E27FC236}">
-                <a16:creationId xmlns:a16="http://schemas.microsoft.com/office/drawing/2014/main" id="{6969D97D-6ECB-651C-6EC3-DD489D399847}"/>
-              </a:ext>
-            </a:extLst>
-          </p:cNvPr>
-          <p:cNvPicPr>
-            <a:picLocks noChangeAspect="1"/>
-          </p:cNvPicPr>
-          <p:nvPr/>
-        </p:nvPicPr>
-        <p:blipFill>
-          <a:blip r:embed="rId4"/>
-          <a:stretch>
-            <a:fillRect/>
-          </a:stretch>
-        </p:blipFill>
-        <p:spPr>
-          <a:xfrm>
-            <a:off x="8372991" y="1204038"/>
-            <a:ext cx="2502770" cy="3737472"/>
           </a:xfrm>
           <a:prstGeom prst="rect">
             <a:avLst/>
@@ -8611,7 +8797,7 @@
                   <a:schemeClr val="tx1"/>
                 </a:solidFill>
               </a:rPr>
-              <a:t>Body will be provided with 3mm gap and 0 mm flush all around the part as shown above </a:t>
+              <a:t>Body will be provided with 3mm gap and 0,3 mm trimline all around the as shown above </a:t>
             </a:r>
           </a:p>
         </p:txBody>
@@ -9202,79 +9388,6 @@
       </p:cxnSp>
       <p:sp>
         <p:nvSpPr>
-          <p:cNvPr id="28" name="Arrow: Pentagon 27">
-            <a:extLst>
-              <a:ext uri="{FF2B5EF4-FFF2-40B4-BE49-F238E27FC236}">
-                <a16:creationId xmlns:a16="http://schemas.microsoft.com/office/drawing/2014/main" id="{E2C59EC8-7F50-1FCE-C539-FF6CA7C60DEA}"/>
-              </a:ext>
-            </a:extLst>
-          </p:cNvPr>
-          <p:cNvSpPr/>
-          <p:nvPr/>
-        </p:nvSpPr>
-        <p:spPr>
-          <a:xfrm rot="4929950">
-            <a:off x="9641006" y="4416245"/>
-            <a:ext cx="194047" cy="152398"/>
-          </a:xfrm>
-          <a:prstGeom prst="homePlate">
-            <a:avLst>
-              <a:gd name="adj" fmla="val 42500"/>
-            </a:avLst>
-          </a:prstGeom>
-          <a:solidFill>
-            <a:srgbClr val="392BF5"/>
-          </a:solidFill>
-          <a:ln>
-            <a:solidFill>
-              <a:srgbClr val="392BF5"/>
-            </a:solidFill>
-          </a:ln>
-        </p:spPr>
-        <p:style>
-          <a:lnRef idx="2">
-            <a:schemeClr val="accent1">
-              <a:shade val="15000"/>
-            </a:schemeClr>
-          </a:lnRef>
-          <a:fillRef idx="1">
-            <a:schemeClr val="accent1"/>
-          </a:fillRef>
-          <a:effectRef idx="0">
-            <a:schemeClr val="accent1"/>
-          </a:effectRef>
-          <a:fontRef idx="minor">
-            <a:schemeClr val="lt1"/>
-          </a:fontRef>
-        </p:style>
-        <p:txBody>
-          <a:bodyPr vert="horz" rtlCol="0" anchor="ctr"/>
-          <a:lstStyle/>
-          <a:p>
-            <a:pPr algn="ctr"/>
-            <a:r>
-              <a:rPr lang="en-US" sz="1200" dirty="0">
-                <a:ln w="0"/>
-                <a:solidFill>
-                  <a:schemeClr val="bg1">
-                    <a:lumMod val="95000"/>
-                  </a:schemeClr>
-                </a:solidFill>
-                <a:effectLst>
-                  <a:outerShdw blurRad="38100" dist="19050" dir="2700000" algn="tl" rotWithShape="0">
-                    <a:schemeClr val="dk1">
-                      <a:alpha val="40000"/>
-                    </a:schemeClr>
-                  </a:outerShdw>
-                </a:effectLst>
-              </a:rPr>
-              <a:t>0</a:t>
-            </a:r>
-          </a:p>
-        </p:txBody>
-      </p:sp>
-      <p:sp>
-        <p:nvSpPr>
           <p:cNvPr id="29" name="Arrow: Pentagon 28">
             <a:extLst>
               <a:ext uri="{FF2B5EF4-FFF2-40B4-BE49-F238E27FC236}">
@@ -9287,7 +9400,7 @@
         </p:nvSpPr>
         <p:spPr>
           <a:xfrm>
-            <a:off x="9803088" y="4106195"/>
+            <a:off x="9824708" y="4223096"/>
             <a:ext cx="194047" cy="152398"/>
           </a:xfrm>
           <a:prstGeom prst="homePlate">
@@ -9415,79 +9528,6 @@
                 </a:effectLst>
               </a:rPr>
               <a:t>3</a:t>
-            </a:r>
-          </a:p>
-        </p:txBody>
-      </p:sp>
-      <p:sp>
-        <p:nvSpPr>
-          <p:cNvPr id="34" name="Arrow: Pentagon 33">
-            <a:extLst>
-              <a:ext uri="{FF2B5EF4-FFF2-40B4-BE49-F238E27FC236}">
-                <a16:creationId xmlns:a16="http://schemas.microsoft.com/office/drawing/2014/main" id="{FD93929C-B5A8-FA4D-5CCD-E32EEED75C22}"/>
-              </a:ext>
-            </a:extLst>
-          </p:cNvPr>
-          <p:cNvSpPr/>
-          <p:nvPr/>
-        </p:nvSpPr>
-        <p:spPr>
-          <a:xfrm rot="16974842">
-            <a:off x="9640297" y="1926572"/>
-            <a:ext cx="194047" cy="152398"/>
-          </a:xfrm>
-          <a:prstGeom prst="homePlate">
-            <a:avLst>
-              <a:gd name="adj" fmla="val 42500"/>
-            </a:avLst>
-          </a:prstGeom>
-          <a:solidFill>
-            <a:srgbClr val="392BF5"/>
-          </a:solidFill>
-          <a:ln>
-            <a:solidFill>
-              <a:srgbClr val="392BF5"/>
-            </a:solidFill>
-          </a:ln>
-        </p:spPr>
-        <p:style>
-          <a:lnRef idx="2">
-            <a:schemeClr val="accent1">
-              <a:shade val="15000"/>
-            </a:schemeClr>
-          </a:lnRef>
-          <a:fillRef idx="1">
-            <a:schemeClr val="accent1"/>
-          </a:fillRef>
-          <a:effectRef idx="0">
-            <a:schemeClr val="accent1"/>
-          </a:effectRef>
-          <a:fontRef idx="minor">
-            <a:schemeClr val="lt1"/>
-          </a:fontRef>
-        </p:style>
-        <p:txBody>
-          <a:bodyPr vert="horz" rtlCol="0" anchor="ctr"/>
-          <a:lstStyle/>
-          <a:p>
-            <a:pPr algn="ctr"/>
-            <a:r>
-              <a:rPr lang="en-US" sz="1200" dirty="0">
-                <a:ln w="0"/>
-                <a:solidFill>
-                  <a:schemeClr val="bg1">
-                    <a:lumMod val="95000"/>
-                  </a:schemeClr>
-                </a:solidFill>
-                <a:effectLst>
-                  <a:outerShdw blurRad="38100" dist="19050" dir="2700000" algn="tl" rotWithShape="0">
-                    <a:schemeClr val="dk1">
-                      <a:alpha val="40000"/>
-                    </a:schemeClr>
-                  </a:outerShdw>
-                </a:effectLst>
-              </a:rPr>
-              <a:t>0</a:t>
             </a:r>
           </a:p>
         </p:txBody>
@@ -9728,7 +9768,7 @@
           <p:nvPr/>
         </p:nvPicPr>
         <p:blipFill>
-          <a:blip r:embed="rId5"/>
+          <a:blip r:embed="rId6"/>
           <a:stretch>
             <a:fillRect/>
           </a:stretch>
@@ -9758,7 +9798,7 @@
           <p:nvPr/>
         </p:nvPicPr>
         <p:blipFill>
-          <a:blip r:embed="rId6"/>
+          <a:blip r:embed="rId7"/>
           <a:stretch>
             <a:fillRect/>
           </a:stretch>
@@ -9773,6 +9813,158 @@
           </a:prstGeom>
         </p:spPr>
       </p:pic>
+      <p:cxnSp>
+        <p:nvCxnSpPr>
+          <p:cNvPr id="13" name="Straight Connector 12">
+            <a:extLst>
+              <a:ext uri="{FF2B5EF4-FFF2-40B4-BE49-F238E27FC236}">
+                <a16:creationId xmlns:a16="http://schemas.microsoft.com/office/drawing/2014/main" id="{E5504920-3D67-50A9-188B-E3DDCC9AC693}"/>
+              </a:ext>
+            </a:extLst>
+          </p:cNvPr>
+          <p:cNvCxnSpPr>
+            <a:cxnSpLocks/>
+          </p:cNvCxnSpPr>
+          <p:nvPr/>
+        </p:nvCxnSpPr>
+        <p:spPr>
+          <a:xfrm>
+            <a:off x="9397676" y="1927860"/>
+            <a:ext cx="1307811" cy="0"/>
+          </a:xfrm>
+          <a:prstGeom prst="line">
+            <a:avLst/>
+          </a:prstGeom>
+        </p:spPr>
+        <p:style>
+          <a:lnRef idx="2">
+            <a:schemeClr val="accent3"/>
+          </a:lnRef>
+          <a:fillRef idx="0">
+            <a:schemeClr val="accent3"/>
+          </a:fillRef>
+          <a:effectRef idx="1">
+            <a:schemeClr val="accent3"/>
+          </a:effectRef>
+          <a:fontRef idx="minor">
+            <a:schemeClr val="tx1"/>
+          </a:fontRef>
+        </p:style>
+      </p:cxnSp>
+      <p:cxnSp>
+        <p:nvCxnSpPr>
+          <p:cNvPr id="17" name="Straight Connector 16">
+            <a:extLst>
+              <a:ext uri="{FF2B5EF4-FFF2-40B4-BE49-F238E27FC236}">
+                <a16:creationId xmlns:a16="http://schemas.microsoft.com/office/drawing/2014/main" id="{F23820FD-18A6-1CC9-3C53-BCAD34CF0A3B}"/>
+              </a:ext>
+            </a:extLst>
+          </p:cNvPr>
+          <p:cNvCxnSpPr>
+            <a:cxnSpLocks/>
+          </p:cNvCxnSpPr>
+          <p:nvPr/>
+        </p:nvCxnSpPr>
+        <p:spPr>
+          <a:xfrm>
+            <a:off x="9397676" y="1828800"/>
+            <a:ext cx="1309760" cy="0"/>
+          </a:xfrm>
+          <a:prstGeom prst="line">
+            <a:avLst/>
+          </a:prstGeom>
+        </p:spPr>
+        <p:style>
+          <a:lnRef idx="2">
+            <a:schemeClr val="accent2"/>
+          </a:lnRef>
+          <a:fillRef idx="0">
+            <a:schemeClr val="accent2"/>
+          </a:fillRef>
+          <a:effectRef idx="1">
+            <a:schemeClr val="accent2"/>
+          </a:effectRef>
+          <a:fontRef idx="minor">
+            <a:schemeClr val="tx1"/>
+          </a:fontRef>
+        </p:style>
+      </p:cxnSp>
+      <p:cxnSp>
+        <p:nvCxnSpPr>
+          <p:cNvPr id="21" name="Straight Connector 20">
+            <a:extLst>
+              <a:ext uri="{FF2B5EF4-FFF2-40B4-BE49-F238E27FC236}">
+                <a16:creationId xmlns:a16="http://schemas.microsoft.com/office/drawing/2014/main" id="{FE4B2FB8-802D-8D40-982F-2C5A04200015}"/>
+              </a:ext>
+            </a:extLst>
+          </p:cNvPr>
+          <p:cNvCxnSpPr>
+            <a:cxnSpLocks/>
+          </p:cNvCxnSpPr>
+          <p:nvPr/>
+        </p:nvCxnSpPr>
+        <p:spPr>
+          <a:xfrm>
+            <a:off x="9526738" y="4648200"/>
+            <a:ext cx="1307811" cy="0"/>
+          </a:xfrm>
+          <a:prstGeom prst="line">
+            <a:avLst/>
+          </a:prstGeom>
+        </p:spPr>
+        <p:style>
+          <a:lnRef idx="2">
+            <a:schemeClr val="accent2"/>
+          </a:lnRef>
+          <a:fillRef idx="0">
+            <a:schemeClr val="accent2"/>
+          </a:fillRef>
+          <a:effectRef idx="1">
+            <a:schemeClr val="accent2"/>
+          </a:effectRef>
+          <a:fontRef idx="minor">
+            <a:schemeClr val="tx1"/>
+          </a:fontRef>
+        </p:style>
+      </p:cxnSp>
+      <p:cxnSp>
+        <p:nvCxnSpPr>
+          <p:cNvPr id="22" name="Straight Connector 21">
+            <a:extLst>
+              <a:ext uri="{FF2B5EF4-FFF2-40B4-BE49-F238E27FC236}">
+                <a16:creationId xmlns:a16="http://schemas.microsoft.com/office/drawing/2014/main" id="{6BE1CCDB-E1B5-1432-1848-E89AC67A1A9C}"/>
+              </a:ext>
+            </a:extLst>
+          </p:cNvPr>
+          <p:cNvCxnSpPr>
+            <a:cxnSpLocks/>
+          </p:cNvCxnSpPr>
+          <p:nvPr/>
+        </p:nvCxnSpPr>
+        <p:spPr>
+          <a:xfrm>
+            <a:off x="9524789" y="4572000"/>
+            <a:ext cx="1309760" cy="0"/>
+          </a:xfrm>
+          <a:prstGeom prst="line">
+            <a:avLst/>
+          </a:prstGeom>
+        </p:spPr>
+        <p:style>
+          <a:lnRef idx="2">
+            <a:schemeClr val="accent3"/>
+          </a:lnRef>
+          <a:fillRef idx="0">
+            <a:schemeClr val="accent3"/>
+          </a:fillRef>
+          <a:effectRef idx="1">
+            <a:schemeClr val="accent3"/>
+          </a:effectRef>
+          <a:fontRef idx="minor">
+            <a:schemeClr val="tx1"/>
+          </a:fontRef>
+        </p:style>
+      </p:cxnSp>
     </p:spTree>
     <p:extLst>
       <p:ext uri="{BB962C8B-B14F-4D97-AF65-F5344CB8AC3E}">
@@ -15016,8 +15208,8 @@
         </p:nvSpPr>
         <p:spPr>
           <a:xfrm>
-            <a:off x="3953657" y="-33961"/>
-            <a:ext cx="4283160" cy="707886"/>
+            <a:off x="5220638" y="-33961"/>
+            <a:ext cx="1749197" cy="707886"/>
           </a:xfrm>
           <a:prstGeom prst="rect">
             <a:avLst/>
@@ -15045,7 +15237,7 @@
                   </a:outerShdw>
                 </a:effectLst>
               </a:rPr>
-              <a:t>Locking and Resting</a:t>
+              <a:t>Locking</a:t>
             </a:r>
           </a:p>
         </p:txBody>

--- a/MG_Fixtures/YXA/Concept/Guard_Assy.RR Fender_Splash_R.pptx
+++ b/MG_Fixtures/YXA/Concept/Guard_Assy.RR Fender_Splash_R.pptx
@@ -222,7 +222,7 @@
             <a:fld id="{9E2EE2AA-148B-40AB-9B2B-819D4284D388}" type="datetimeFigureOut">
               <a:rPr lang="en-IN" smtClean="0"/>
               <a:pPr/>
-              <a:t>21-12-2024</a:t>
+              <a:t>22-12-2024</a:t>
             </a:fld>
             <a:endParaRPr lang="en-IN"/>
           </a:p>
@@ -801,7 +801,7 @@
             <a:fld id="{5C8D971A-12AB-4B63-A413-D1566F3CC742}" type="datetimeFigureOut">
               <a:rPr lang="en-IN" smtClean="0"/>
               <a:pPr/>
-              <a:t>21-12-2024</a:t>
+              <a:t>22-12-2024</a:t>
             </a:fld>
             <a:endParaRPr lang="en-IN"/>
           </a:p>
@@ -1144,7 +1144,7 @@
             <a:fld id="{5C8D971A-12AB-4B63-A413-D1566F3CC742}" type="datetimeFigureOut">
               <a:rPr lang="en-IN" smtClean="0"/>
               <a:pPr/>
-              <a:t>21-12-2024</a:t>
+              <a:t>22-12-2024</a:t>
             </a:fld>
             <a:endParaRPr lang="en-IN"/>
           </a:p>
@@ -1568,7 +1568,7 @@
             <a:fld id="{5C8D971A-12AB-4B63-A413-D1566F3CC742}" type="datetimeFigureOut">
               <a:rPr lang="en-IN" smtClean="0"/>
               <a:pPr/>
-              <a:t>21-12-2024</a:t>
+              <a:t>22-12-2024</a:t>
             </a:fld>
             <a:endParaRPr lang="en-IN"/>
           </a:p>
@@ -1688,7 +1688,7 @@
             <a:fld id="{5C8D971A-12AB-4B63-A413-D1566F3CC742}" type="datetimeFigureOut">
               <a:rPr lang="en-IN" smtClean="0"/>
               <a:pPr/>
-              <a:t>21-12-2024</a:t>
+              <a:t>22-12-2024</a:t>
             </a:fld>
             <a:endParaRPr lang="en-IN"/>
           </a:p>
@@ -1939,7 +1939,7 @@
             <a:fld id="{5C8D971A-12AB-4B63-A413-D1566F3CC742}" type="datetimeFigureOut">
               <a:rPr lang="en-IN" smtClean="0"/>
               <a:pPr/>
-              <a:t>21-12-2024</a:t>
+              <a:t>22-12-2024</a:t>
             </a:fld>
             <a:endParaRPr lang="en-IN"/>
           </a:p>
@@ -7869,7 +7869,7 @@
               <a:rPr lang="en-IN" sz="2000" b="1" kern="0" dirty="0">
                 <a:latin typeface="Calibri"/>
               </a:rPr>
-              <a:t>21</a:t>
+              <a:t>22</a:t>
             </a:r>
             <a:r>
               <a:rPr kumimoji="0" lang="en-IN" sz="2000" b="1" i="0" u="none" strike="noStrike" kern="0" cap="none" spc="0" normalizeH="0" baseline="0" noProof="0" dirty="0">
@@ -8500,8 +8500,8 @@
         </p:nvSpPr>
         <p:spPr>
           <a:xfrm>
-            <a:off x="4922475" y="-33961"/>
-            <a:ext cx="2345515" cy="707886"/>
+            <a:off x="4626595" y="-33961"/>
+            <a:ext cx="2937279" cy="707886"/>
           </a:xfrm>
           <a:prstGeom prst="rect">
             <a:avLst/>
@@ -8529,7 +8529,7 @@
                   </a:outerShdw>
                 </a:effectLst>
               </a:rPr>
-              <a:t>Gap Flush </a:t>
+              <a:t>Gap Trimline </a:t>
             </a:r>
           </a:p>
         </p:txBody>
